--- a/58.情報システム/#1　情報表現.pptx
+++ b/58.情報システム/#1　情報表現.pptx
@@ -8160,7 +8160,7 @@
           <a:bodyPr/>
           <a:lstStyle/>
           <a:p>
-            <a:endParaRPr kumimoji="1" lang="ja-JP" altLang="en-US"/>
+            <a:endParaRPr kumimoji="1" lang="ja-JP" altLang="en-US" dirty="0"/>
           </a:p>
         </p:txBody>
       </p:sp>
@@ -8278,6 +8278,18 @@
           <a:bodyPr/>
           <a:lstStyle/>
           <a:p>
+            <a:r>
+              <a:rPr kumimoji="1" lang="ja-JP" altLang="en-US" dirty="0" smtClean="0"/>
+              <a:t>１と０のいずれかからなる</a:t>
+            </a:r>
+            <a:r>
+              <a:rPr kumimoji="1" lang="en-US" altLang="ja-JP" dirty="0" smtClean="0"/>
+              <a:t>1</a:t>
+            </a:r>
+            <a:r>
+              <a:rPr kumimoji="1" lang="ja-JP" altLang="en-US" smtClean="0"/>
+              <a:t>桁の数字のこと</a:t>
+            </a:r>
             <a:endParaRPr kumimoji="1" lang="ja-JP" altLang="en-US"/>
           </a:p>
         </p:txBody>
